--- a/ScaleYou/ScaleYou.pptx
+++ b/ScaleYou/ScaleYou.pptx
@@ -5791,7 +5791,7 @@
           <a:p>
             <a:r>
               <a:rPr lang="en-US" dirty="0"/>
-              <a:t>We start with Knowledge.</a:t>
+              <a:t>We start with Knowledge and…</a:t>
             </a:r>
           </a:p>
           <a:p>
@@ -5920,6 +5920,15 @@
               <a:t>be much more willing to embrace new tech.</a:t>
             </a:r>
           </a:p>
+          <a:p>
+            <a:endParaRPr lang="en-US" dirty="0"/>
+          </a:p>
+          <a:p>
+            <a:r>
+              <a:rPr lang="en-US" dirty="0"/>
+              <a:t>Additionally…</a:t>
+            </a:r>
+          </a:p>
         </p:txBody>
       </p:sp>
       <p:sp>
@@ -6055,6 +6064,15 @@
           <a:p>
             <a:endParaRPr lang="en-US" dirty="0"/>
           </a:p>
+          <a:p>
+            <a:r>
+              <a:rPr lang="en-US" dirty="0"/>
+              <a:t>In order to do this though, you must…</a:t>
+            </a:r>
+          </a:p>
+          <a:p>
+            <a:endParaRPr lang="en-US" dirty="0"/>
+          </a:p>
         </p:txBody>
       </p:sp>
       <p:sp>
@@ -7209,7 +7227,7 @@
           <a:p>
             <a:r>
               <a:rPr lang="en-US" dirty="0"/>
-              <a:t>Ultimate,</a:t>
+              <a:t>Ultimately…</a:t>
             </a:r>
           </a:p>
         </p:txBody>
@@ -9022,7 +9040,7 @@
           <a:p>
             <a:r>
               <a:rPr lang="en-US" dirty="0"/>
-              <a:t>Absolute truth that.</a:t>
+              <a:t>That's the Absolute truth.</a:t>
             </a:r>
           </a:p>
           <a:p>
@@ -9031,7 +9049,13 @@
           <a:p>
             <a:r>
               <a:rPr lang="en-US" dirty="0"/>
-              <a:t>AND</a:t>
+              <a:t>AND… I have just the thing to help you</a:t>
+            </a:r>
+          </a:p>
+          <a:p>
+            <a:r>
+              <a:rPr lang="en-US" dirty="0"/>
+              <a:t>get so much better at public speaking.</a:t>
             </a:r>
           </a:p>
           <a:p>
@@ -9040,13 +9064,7 @@
           <a:p>
             <a:r>
               <a:rPr lang="en-US" dirty="0"/>
-              <a:t>I have just the thing to help you</a:t>
-            </a:r>
-          </a:p>
-          <a:p>
-            <a:r>
-              <a:rPr lang="en-US" dirty="0"/>
-              <a:t>get so much better at public speaking.</a:t>
+              <a:t>GIVE A TALK AT CHARMCITYJS</a:t>
             </a:r>
           </a:p>
           <a:p>
@@ -9055,12 +9073,6 @@
           <a:p>
             <a:r>
               <a:rPr lang="en-US" dirty="0"/>
-              <a:t>GIVE A TALK AT CHARMCITYJS</a:t>
-            </a:r>
-          </a:p>
-          <a:p>
-            <a:r>
-              <a:rPr lang="en-US" dirty="0"/>
               <a:t>It super easy,</a:t>
             </a:r>
           </a:p>
@@ -9073,7 +9085,7 @@
           <a:p>
             <a:r>
               <a:rPr lang="en-US" dirty="0"/>
-              <a:t>every lower stakes,</a:t>
+              <a:t>very lower stakes,</a:t>
             </a:r>
           </a:p>
           <a:p>
@@ -9083,15 +9095,33 @@
             </a:r>
           </a:p>
           <a:p>
-            <a:r>
-              <a:rPr lang="en-US" dirty="0"/>
-              <a:t>And ever single CCJS talk you give</a:t>
+            <a:endParaRPr lang="en-US" dirty="0"/>
+          </a:p>
+          <a:p>
+            <a:r>
+              <a:rPr lang="en-US" dirty="0"/>
+              <a:t>Every single CCJS talk you give</a:t>
             </a:r>
           </a:p>
           <a:p>
             <a:r>
               <a:rPr lang="en-US" dirty="0"/>
               <a:t>is going to help you on your path forward.</a:t>
+            </a:r>
+          </a:p>
+          <a:p>
+            <a:r>
+              <a:rPr lang="en-US" dirty="0"/>
+              <a:t>I promise.</a:t>
+            </a:r>
+          </a:p>
+          <a:p>
+            <a:endParaRPr lang="en-US" dirty="0"/>
+          </a:p>
+          <a:p>
+            <a:r>
+              <a:rPr lang="en-US" dirty="0"/>
+              <a:t>&lt;pause&gt;</a:t>
             </a:r>
           </a:p>
           <a:p>
@@ -9196,7 +9226,7 @@
           <a:p>
             <a:r>
               <a:rPr lang="en-US" dirty="0"/>
-              <a:t>I know all use introverts</a:t>
+              <a:t>I know all us introverts</a:t>
             </a:r>
           </a:p>
           <a:p>
@@ -9223,13 +9253,13 @@
           <a:p>
             <a:r>
               <a:rPr lang="en-US" dirty="0"/>
-              <a:t>Its part of being part of a team</a:t>
-            </a:r>
-          </a:p>
-          <a:p>
-            <a:r>
-              <a:rPr lang="en-US" dirty="0"/>
-              <a:t>Part of a community.</a:t>
+              <a:t>Its about being a part of a team</a:t>
+            </a:r>
+          </a:p>
+          <a:p>
+            <a:r>
+              <a:rPr lang="en-US" dirty="0"/>
+              <a:t>Being a part of a community.</a:t>
             </a:r>
           </a:p>
           <a:p>
@@ -9263,6 +9293,33 @@
             <a:r>
               <a:rPr lang="en-US" dirty="0"/>
               <a:t>As human beings.</a:t>
+            </a:r>
+          </a:p>
+          <a:p>
+            <a:endParaRPr lang="en-US" dirty="0"/>
+          </a:p>
+          <a:p>
+            <a:r>
+              <a:rPr lang="en-US" dirty="0"/>
+              <a:t>The heart of a great team </a:t>
+            </a:r>
+          </a:p>
+          <a:p>
+            <a:r>
+              <a:rPr lang="en-US" dirty="0"/>
+              <a:t>lies in the familiarity they have with one another.</a:t>
+            </a:r>
+          </a:p>
+          <a:p>
+            <a:r>
+              <a:rPr lang="en-US" dirty="0"/>
+              <a:t>And being social with your peers </a:t>
+            </a:r>
+          </a:p>
+          <a:p>
+            <a:r>
+              <a:rPr lang="en-US" dirty="0"/>
+              <a:t>is the key to that familiarity.</a:t>
             </a:r>
           </a:p>
           <a:p>
@@ -9364,7 +9421,13 @@
           <a:p>
             <a:r>
               <a:rPr lang="en-US" dirty="0"/>
-              <a:t>Alright.</a:t>
+              <a:t>Alright. </a:t>
+            </a:r>
+          </a:p>
+          <a:p>
+            <a:r>
+              <a:rPr lang="en-US" dirty="0"/>
+              <a:t>Phew.</a:t>
             </a:r>
           </a:p>
           <a:p>
@@ -9388,7 +9451,7 @@
           <a:p>
             <a:r>
               <a:rPr lang="en-US" dirty="0"/>
-              <a:t>But I've worked a very long time in this industry.</a:t>
+              <a:t>But I have worked for a very long time in this industry.</a:t>
             </a:r>
           </a:p>
           <a:p>
@@ -9400,23 +9463,29 @@
           <a:p>
             <a:r>
               <a:rPr lang="en-US" dirty="0"/>
-              <a:t>I've done every job from Intern to Director to Founder to CTO.</a:t>
+              <a:t>And I have done just about every job </a:t>
+            </a:r>
+          </a:p>
+          <a:p>
+            <a:r>
+              <a:rPr lang="en-US" dirty="0"/>
+              <a:t>from Intern to Director to Founder to CTO.</a:t>
+            </a:r>
+          </a:p>
+          <a:p>
+            <a:r>
+              <a:rPr lang="en-US" dirty="0"/>
+              <a:t>And everything I have talked about tonight</a:t>
+            </a:r>
+          </a:p>
+          <a:p>
+            <a:r>
+              <a:rPr lang="en-US" dirty="0"/>
+              <a:t>Has served me exceptionally well in my career.</a:t>
             </a:r>
           </a:p>
           <a:p>
             <a:endParaRPr lang="en-US" dirty="0"/>
-          </a:p>
-          <a:p>
-            <a:r>
-              <a:rPr lang="en-US" dirty="0"/>
-              <a:t>And everything I have talked about tonight</a:t>
-            </a:r>
-          </a:p>
-          <a:p>
-            <a:r>
-              <a:rPr lang="en-US" dirty="0"/>
-              <a:t>Has served me exceptionally well in my career.</a:t>
-            </a:r>
           </a:p>
           <a:p>
             <a:r>
@@ -9517,19 +9586,13 @@
           <a:p>
             <a:r>
               <a:rPr lang="en-US" dirty="0"/>
-              <a:t>I'm not saying </a:t>
-            </a:r>
-          </a:p>
-          <a:p>
-            <a:r>
-              <a:rPr lang="en-US" dirty="0"/>
-              <a:t>Growing in any one of these channels</a:t>
-            </a:r>
-          </a:p>
-          <a:p>
-            <a:r>
-              <a:rPr lang="en-US" dirty="0"/>
-              <a:t>Alone is going to get your promoted</a:t>
+              <a:t>I am not saying Growing in any one of these channels alone </a:t>
+            </a:r>
+          </a:p>
+          <a:p>
+            <a:r>
+              <a:rPr lang="en-US" dirty="0"/>
+              <a:t>is going to get your promoted.</a:t>
             </a:r>
           </a:p>
           <a:p>
@@ -9538,20 +9601,65 @@
           <a:p>
             <a:r>
               <a:rPr lang="en-US" dirty="0"/>
-              <a:t>But it will make you a more valuable employee.</a:t>
-            </a:r>
-          </a:p>
-          <a:p>
-            <a:r>
-              <a:rPr lang="en-US" dirty="0"/>
-              <a:t>It will make you a more valuable job candidate.</a:t>
-            </a:r>
-          </a:p>
-          <a:p>
-            <a:r>
-              <a:rPr lang="en-US" dirty="0"/>
-              <a:t>It will make you a more successful engineer.</a:t>
-            </a:r>
+              <a:t>You need to embrace all of them</a:t>
+            </a:r>
+          </a:p>
+          <a:p>
+            <a:r>
+              <a:rPr lang="en-US" dirty="0"/>
+              <a:t>or at least a majority of them</a:t>
+            </a:r>
+          </a:p>
+          <a:p>
+            <a:r>
+              <a:rPr lang="en-US" dirty="0"/>
+              <a:t>To truly grown your career.</a:t>
+            </a:r>
+          </a:p>
+          <a:p>
+            <a:endParaRPr lang="en-US" dirty="0"/>
+          </a:p>
+          <a:p>
+            <a:r>
+              <a:rPr lang="en-US" dirty="0"/>
+              <a:t>But its not a guaranteed promotion.</a:t>
+            </a:r>
+          </a:p>
+          <a:p>
+            <a:r>
+              <a:rPr lang="en-US" dirty="0"/>
+              <a:t>I cannot promise you that.</a:t>
+            </a:r>
+          </a:p>
+          <a:p>
+            <a:endParaRPr lang="en-US" dirty="0"/>
+          </a:p>
+          <a:p>
+            <a:r>
+              <a:rPr lang="en-US" dirty="0"/>
+              <a:t>But what I can promise you is</a:t>
+            </a:r>
+          </a:p>
+          <a:p>
+            <a:r>
+              <a:rPr lang="en-US" dirty="0"/>
+              <a:t>that it will make you a more valuable employee.</a:t>
+            </a:r>
+          </a:p>
+          <a:p>
+            <a:r>
+              <a:rPr lang="en-US" dirty="0"/>
+              <a:t>that it will make you a more valuable job candidate.</a:t>
+            </a:r>
+          </a:p>
+          <a:p>
+            <a:r>
+              <a:rPr lang="en-US" dirty="0"/>
+              <a:t>And ultimately that it will lead you to a more rewarding career.</a:t>
+            </a:r>
+          </a:p>
+          <a:p>
+            <a:endParaRPr lang="en-US" dirty="0"/>
           </a:p>
         </p:txBody>
       </p:sp>
@@ -9693,6 +9801,9 @@
               <a:rPr lang="en-US" dirty="0"/>
               <a:t>So stop expecting it to.</a:t>
             </a:r>
+          </a:p>
+          <a:p>
+            <a:endParaRPr lang="en-US" dirty="0"/>
           </a:p>
           <a:p>
             <a:r>

--- a/ScaleYou/ScaleYou.pptx
+++ b/ScaleYou/ScaleYou.pptx
@@ -173,6 +173,11 @@
       </a:defRPr>
     </a:lvl9pPr>
   </p:defaultTextStyle>
+  <p:extLst>
+    <p:ext uri="{EFAFB233-063F-42B5-8137-9DF3F51BA10A}">
+      <p15:sldGuideLst xmlns:p15="http://schemas.microsoft.com/office/powerpoint/2012/main"/>
+    </p:ext>
+  </p:extLst>
 </p:presentation>
 </file>
 
@@ -258,7 +263,7 @@
           <a:p>
             <a:fld id="{505945CA-2499-4E05-BB50-7A2C7CCDE1E7}" type="datetimeFigureOut">
               <a:rPr lang="en-US" smtClean="0"/>
-              <a:t>1/29/2023</a:t>
+              <a:t>2/1/2023</a:t>
             </a:fld>
             <a:endParaRPr lang="en-US"/>
           </a:p>
@@ -1312,18 +1317,30 @@
             </a:r>
           </a:p>
           <a:p>
+            <a:r>
+              <a:rPr lang="en-US" dirty="0"/>
+              <a:t>And let us instead imagine a better way to judge</a:t>
+            </a:r>
+          </a:p>
+          <a:p>
+            <a:r>
+              <a:rPr lang="en-US" dirty="0"/>
+              <a:t>a Software Engineer's "level".</a:t>
+            </a:r>
+          </a:p>
+          <a:p>
             <a:endParaRPr lang="en-US" dirty="0"/>
           </a:p>
           <a:p>
             <a:r>
               <a:rPr lang="en-US" dirty="0"/>
-              <a:t>Let us instead imagine a better way to judge</a:t>
-            </a:r>
-          </a:p>
-          <a:p>
-            <a:r>
-              <a:rPr lang="en-US" dirty="0"/>
-              <a:t>a Software Engineer's "level".</a:t>
+              <a:t>And once we understand the leveling system</a:t>
+            </a:r>
+          </a:p>
+          <a:p>
+            <a:r>
+              <a:rPr lang="en-US" dirty="0"/>
+              <a:t>Then we can understand how to advance within it.</a:t>
             </a:r>
           </a:p>
           <a:p>
@@ -1332,13 +1349,7 @@
           <a:p>
             <a:r>
               <a:rPr lang="en-US" dirty="0"/>
-              <a:t>And once we understand the system</a:t>
-            </a:r>
-          </a:p>
-          <a:p>
-            <a:r>
-              <a:rPr lang="en-US" dirty="0"/>
-              <a:t>Then we can understand how to advance within it.</a:t>
+              <a:t>&lt;SHORT PAUSE&gt;</a:t>
             </a:r>
           </a:p>
           <a:p>
@@ -1486,10 +1497,39 @@
             <a:endParaRPr lang="en-US" dirty="0"/>
           </a:p>
           <a:p>
+            <a:pPr marL="0" marR="0" lvl="0" indent="0" algn="l" defTabSz="914400" rtl="0" eaLnBrk="1" fontAlgn="auto" latinLnBrk="0" hangingPunct="1">
+              <a:lnSpc>
+                <a:spcPct val="100000"/>
+              </a:lnSpc>
+              <a:spcBef>
+                <a:spcPts val="0"/>
+              </a:spcBef>
+              <a:spcAft>
+                <a:spcPts val="0"/>
+              </a:spcAft>
+              <a:buClrTx/>
+              <a:buSzTx/>
+              <a:buFontTx/>
+              <a:buNone/>
+              <a:tabLst/>
+              <a:defRPr/>
+            </a:pPr>
+            <a:r>
+              <a:rPr lang="en-US" dirty="0"/>
+              <a:t>&lt;SHORT PAUSE&gt;</a:t>
+            </a:r>
+          </a:p>
+          <a:p>
+            <a:endParaRPr lang="en-US" dirty="0"/>
+          </a:p>
+          <a:p>
             <a:r>
               <a:rPr lang="en-US" dirty="0"/>
               <a:t>Alright.</a:t>
             </a:r>
+          </a:p>
+          <a:p>
+            <a:endParaRPr lang="en-US" dirty="0"/>
           </a:p>
           <a:p>
             <a:r>
@@ -1643,6 +1683,15 @@
           <a:p>
             <a:r>
               <a:rPr lang="en-US" dirty="0"/>
+              <a:t>&lt;SHORT PAUSE&gt;</a:t>
+            </a:r>
+          </a:p>
+          <a:p>
+            <a:endParaRPr lang="en-US" dirty="0"/>
+          </a:p>
+          <a:p>
+            <a:r>
+              <a:rPr lang="en-US" dirty="0"/>
               <a:t>Second</a:t>
             </a:r>
           </a:p>
@@ -1796,6 +1845,32 @@
             <a:endParaRPr lang="en-US" dirty="0"/>
           </a:p>
           <a:p>
+            <a:pPr marL="0" marR="0" lvl="0" indent="0" algn="l" defTabSz="914400" rtl="0" eaLnBrk="1" fontAlgn="auto" latinLnBrk="0" hangingPunct="1">
+              <a:lnSpc>
+                <a:spcPct val="100000"/>
+              </a:lnSpc>
+              <a:spcBef>
+                <a:spcPts val="0"/>
+              </a:spcBef>
+              <a:spcAft>
+                <a:spcPts val="0"/>
+              </a:spcAft>
+              <a:buClrTx/>
+              <a:buSzTx/>
+              <a:buFontTx/>
+              <a:buNone/>
+              <a:tabLst/>
+              <a:defRPr/>
+            </a:pPr>
+            <a:r>
+              <a:rPr lang="en-US" dirty="0"/>
+              <a:t>&lt;SHORT PAUSE&gt;</a:t>
+            </a:r>
+          </a:p>
+          <a:p>
+            <a:endParaRPr lang="en-US" dirty="0"/>
+          </a:p>
+          <a:p>
             <a:r>
               <a:rPr lang="en-US" dirty="0"/>
               <a:t>Third,</a:t>
@@ -1978,6 +2053,32 @@
             <a:endParaRPr lang="en-US" dirty="0"/>
           </a:p>
           <a:p>
+            <a:pPr marL="0" marR="0" lvl="0" indent="0" algn="l" defTabSz="914400" rtl="0" eaLnBrk="1" fontAlgn="auto" latinLnBrk="0" hangingPunct="1">
+              <a:lnSpc>
+                <a:spcPct val="100000"/>
+              </a:lnSpc>
+              <a:spcBef>
+                <a:spcPts val="0"/>
+              </a:spcBef>
+              <a:spcAft>
+                <a:spcPts val="0"/>
+              </a:spcAft>
+              <a:buClrTx/>
+              <a:buSzTx/>
+              <a:buFontTx/>
+              <a:buNone/>
+              <a:tabLst/>
+              <a:defRPr/>
+            </a:pPr>
+            <a:r>
+              <a:rPr lang="en-US" dirty="0"/>
+              <a:t>&lt;SHORT PAUSE&gt;</a:t>
+            </a:r>
+          </a:p>
+          <a:p>
+            <a:endParaRPr lang="en-US" dirty="0"/>
+          </a:p>
+          <a:p>
             <a:r>
               <a:rPr lang="en-US" dirty="0"/>
               <a:t>Fourth</a:t>
@@ -2131,6 +2232,32 @@
             <a:endParaRPr lang="en-US" dirty="0"/>
           </a:p>
           <a:p>
+            <a:pPr marL="0" marR="0" lvl="0" indent="0" algn="l" defTabSz="914400" rtl="0" eaLnBrk="1" fontAlgn="auto" latinLnBrk="0" hangingPunct="1">
+              <a:lnSpc>
+                <a:spcPct val="100000"/>
+              </a:lnSpc>
+              <a:spcBef>
+                <a:spcPts val="0"/>
+              </a:spcBef>
+              <a:spcAft>
+                <a:spcPts val="0"/>
+              </a:spcAft>
+              <a:buClrTx/>
+              <a:buSzTx/>
+              <a:buFontTx/>
+              <a:buNone/>
+              <a:tabLst/>
+              <a:defRPr/>
+            </a:pPr>
+            <a:r>
+              <a:rPr lang="en-US" dirty="0"/>
+              <a:t>&lt;SHORT PAUSE&gt;</a:t>
+            </a:r>
+          </a:p>
+          <a:p>
+            <a:endParaRPr lang="en-US" dirty="0"/>
+          </a:p>
+          <a:p>
             <a:r>
               <a:rPr lang="en-US" dirty="0"/>
               <a:t>And Finally</a:t>
@@ -2227,6 +2354,15 @@
             <a:endParaRPr lang="en-US" dirty="0"/>
           </a:p>
           <a:p>
+            <a:r>
+              <a:rPr lang="en-US" dirty="0"/>
+              <a:t>&lt;GIVE TIME TO READ 15 COUNT&gt;</a:t>
+            </a:r>
+          </a:p>
+          <a:p>
+            <a:endParaRPr lang="en-US" dirty="0"/>
+          </a:p>
+          <a:p>
             <a:pPr marL="0" marR="0" lvl="0" indent="0" algn="l" defTabSz="914400" rtl="0" eaLnBrk="1" fontAlgn="auto" latinLnBrk="0" hangingPunct="1">
               <a:lnSpc>
                 <a:spcPct val="100000"/>
@@ -2393,6 +2529,32 @@
             <a:endParaRPr lang="en-US" dirty="0"/>
           </a:p>
           <a:p>
+            <a:pPr marL="0" marR="0" lvl="0" indent="0" algn="l" defTabSz="914400" rtl="0" eaLnBrk="1" fontAlgn="auto" latinLnBrk="0" hangingPunct="1">
+              <a:lnSpc>
+                <a:spcPct val="100000"/>
+              </a:lnSpc>
+              <a:spcBef>
+                <a:spcPts val="0"/>
+              </a:spcBef>
+              <a:spcAft>
+                <a:spcPts val="0"/>
+              </a:spcAft>
+              <a:buClrTx/>
+              <a:buSzTx/>
+              <a:buFontTx/>
+              <a:buNone/>
+              <a:tabLst/>
+              <a:defRPr/>
+            </a:pPr>
+            <a:r>
+              <a:rPr lang="en-US" dirty="0"/>
+              <a:t>&lt;SHORT PAUSE&gt;</a:t>
+            </a:r>
+          </a:p>
+          <a:p>
+            <a:endParaRPr lang="en-US" dirty="0"/>
+          </a:p>
+          <a:p>
             <a:r>
               <a:rPr lang="en-US" dirty="0"/>
               <a:t>So these are </a:t>
@@ -4746,6 +4908,15 @@
           <a:p>
             <a:r>
               <a:rPr lang="en-US" dirty="0"/>
+              <a:t>&lt;SHORT PAUSE&gt;</a:t>
+            </a:r>
+          </a:p>
+          <a:p>
+            <a:endParaRPr lang="en-US" dirty="0"/>
+          </a:p>
+          <a:p>
+            <a:r>
+              <a:rPr lang="en-US" dirty="0"/>
               <a:t>So first we map</a:t>
             </a:r>
           </a:p>
@@ -4875,7 +5046,39 @@
           <a:p>
             <a:r>
               <a:rPr lang="en-US" dirty="0"/>
+              <a:t>And our application of that knowledge,</a:t>
+            </a:r>
+          </a:p>
+          <a:p>
+            <a:r>
+              <a:rPr lang="en-US" dirty="0"/>
               <a:t>the more we get paid.</a:t>
+            </a:r>
+          </a:p>
+          <a:p>
+            <a:endParaRPr lang="en-US" dirty="0"/>
+          </a:p>
+          <a:p>
+            <a:pPr marL="0" marR="0" lvl="0" indent="0" algn="l" defTabSz="914400" rtl="0" eaLnBrk="1" fontAlgn="auto" latinLnBrk="0" hangingPunct="1">
+              <a:lnSpc>
+                <a:spcPct val="100000"/>
+              </a:lnSpc>
+              <a:spcBef>
+                <a:spcPts val="0"/>
+              </a:spcBef>
+              <a:spcAft>
+                <a:spcPts val="0"/>
+              </a:spcAft>
+              <a:buClrTx/>
+              <a:buSzTx/>
+              <a:buFontTx/>
+              <a:buNone/>
+              <a:tabLst/>
+              <a:defRPr/>
+            </a:pPr>
+            <a:r>
+              <a:rPr lang="en-US" dirty="0"/>
+              <a:t>&lt;SHORT PAUSE&gt;</a:t>
             </a:r>
           </a:p>
           <a:p>
@@ -4999,12 +5202,52 @@
             </a:r>
           </a:p>
           <a:p>
+            <a:pPr marL="0" marR="0" lvl="0" indent="0" algn="l" defTabSz="914400" rtl="0" eaLnBrk="1" fontAlgn="auto" latinLnBrk="0" hangingPunct="1">
+              <a:lnSpc>
+                <a:spcPct val="100000"/>
+              </a:lnSpc>
+              <a:spcBef>
+                <a:spcPts val="0"/>
+              </a:spcBef>
+              <a:spcAft>
+                <a:spcPts val="0"/>
+              </a:spcAft>
+              <a:buClrTx/>
+              <a:buSzTx/>
+              <a:buFontTx/>
+              <a:buNone/>
+              <a:tabLst/>
+              <a:defRPr/>
+            </a:pPr>
+            <a:r>
+              <a:rPr lang="en-US" dirty="0"/>
+              <a:t>Tenacity is the will to rise above our technical challenges.</a:t>
+            </a:r>
+          </a:p>
+          <a:p>
             <a:endParaRPr lang="en-US" dirty="0"/>
           </a:p>
           <a:p>
-            <a:r>
-              <a:rPr lang="en-US" dirty="0"/>
-              <a:t>Tenacity is the will to rise above our technical challenges.</a:t>
+            <a:pPr marL="0" marR="0" lvl="0" indent="0" algn="l" defTabSz="914400" rtl="0" eaLnBrk="1" fontAlgn="auto" latinLnBrk="0" hangingPunct="1">
+              <a:lnSpc>
+                <a:spcPct val="100000"/>
+              </a:lnSpc>
+              <a:spcBef>
+                <a:spcPts val="0"/>
+              </a:spcBef>
+              <a:spcAft>
+                <a:spcPts val="0"/>
+              </a:spcAft>
+              <a:buClrTx/>
+              <a:buSzTx/>
+              <a:buFontTx/>
+              <a:buNone/>
+              <a:tabLst/>
+              <a:defRPr/>
+            </a:pPr>
+            <a:r>
+              <a:rPr lang="en-US" dirty="0"/>
+              <a:t>&lt;SHORT PAUSE&gt;</a:t>
             </a:r>
           </a:p>
           <a:p>
@@ -5125,12 +5368,52 @@
             </a:r>
           </a:p>
           <a:p>
+            <a:pPr marL="0" marR="0" lvl="0" indent="0" algn="l" defTabSz="914400" rtl="0" eaLnBrk="1" fontAlgn="auto" latinLnBrk="0" hangingPunct="1">
+              <a:lnSpc>
+                <a:spcPct val="100000"/>
+              </a:lnSpc>
+              <a:spcBef>
+                <a:spcPts val="0"/>
+              </a:spcBef>
+              <a:spcAft>
+                <a:spcPts val="0"/>
+              </a:spcAft>
+              <a:buClrTx/>
+              <a:buSzTx/>
+              <a:buFontTx/>
+              <a:buNone/>
+              <a:tabLst/>
+              <a:defRPr/>
+            </a:pPr>
+            <a:r>
+              <a:rPr lang="en-US" dirty="0"/>
+              <a:t>Insight and Innovation is the expression of your creativity.</a:t>
+            </a:r>
+          </a:p>
+          <a:p>
             <a:endParaRPr lang="en-US" dirty="0"/>
           </a:p>
           <a:p>
-            <a:r>
-              <a:rPr lang="en-US" dirty="0"/>
-              <a:t>Insight and Innovation is the expression of your creativity.</a:t>
+            <a:pPr marL="0" marR="0" lvl="0" indent="0" algn="l" defTabSz="914400" rtl="0" eaLnBrk="1" fontAlgn="auto" latinLnBrk="0" hangingPunct="1">
+              <a:lnSpc>
+                <a:spcPct val="100000"/>
+              </a:lnSpc>
+              <a:spcBef>
+                <a:spcPts val="0"/>
+              </a:spcBef>
+              <a:spcAft>
+                <a:spcPts val="0"/>
+              </a:spcAft>
+              <a:buClrTx/>
+              <a:buSzTx/>
+              <a:buFontTx/>
+              <a:buNone/>
+              <a:tabLst/>
+              <a:defRPr/>
+            </a:pPr>
+            <a:r>
+              <a:rPr lang="en-US" dirty="0"/>
+              <a:t>&lt;SHORT PAUSE&gt;</a:t>
             </a:r>
           </a:p>
           <a:p>
@@ -5236,6 +5519,9 @@
             </a:r>
           </a:p>
           <a:p>
+            <a:endParaRPr lang="en-US" dirty="0"/>
+          </a:p>
+          <a:p>
             <a:r>
               <a:rPr lang="en-US" dirty="0"/>
               <a:t>This seems kind of chicken and egg like,</a:t>
@@ -5250,16 +5536,33 @@
           <a:p>
             <a:r>
               <a:rPr lang="en-US" dirty="0"/>
-              <a:t>By demonstrating that you are a lead without authority.</a:t>
+              <a:t>By demonstrating that you are a leader without authority.</a:t>
             </a:r>
           </a:p>
           <a:p>
             <a:endParaRPr lang="en-US" dirty="0"/>
           </a:p>
           <a:p>
-            <a:r>
-              <a:rPr lang="en-US" dirty="0"/>
-              <a:t>Leadership is reward for influence.</a:t>
+            <a:pPr marL="0" marR="0" lvl="0" indent="0" algn="l" defTabSz="914400" rtl="0" eaLnBrk="1" fontAlgn="auto" latinLnBrk="0" hangingPunct="1">
+              <a:lnSpc>
+                <a:spcPct val="100000"/>
+              </a:lnSpc>
+              <a:spcBef>
+                <a:spcPts val="0"/>
+              </a:spcBef>
+              <a:spcAft>
+                <a:spcPts val="0"/>
+              </a:spcAft>
+              <a:buClrTx/>
+              <a:buSzTx/>
+              <a:buFontTx/>
+              <a:buNone/>
+              <a:tabLst/>
+              <a:defRPr/>
+            </a:pPr>
+            <a:r>
+              <a:rPr lang="en-US" dirty="0"/>
+              <a:t>&lt;SHORT PAUSE&gt;</a:t>
             </a:r>
           </a:p>
           <a:p>
@@ -5628,6 +5931,15 @@
             <a:endParaRPr lang="en-US" dirty="0"/>
           </a:p>
           <a:p>
+            <a:r>
+              <a:rPr lang="en-US" dirty="0"/>
+              <a:t>&lt;SHORT PAUSE&gt;</a:t>
+            </a:r>
+          </a:p>
+          <a:p>
+            <a:endParaRPr lang="en-US" dirty="0"/>
+          </a:p>
+          <a:p>
             <a:pPr marL="0" marR="0" lvl="0" indent="0" algn="l" defTabSz="914400" rtl="0" eaLnBrk="1" fontAlgn="auto" latinLnBrk="0" hangingPunct="1">
               <a:lnSpc>
                 <a:spcPct val="100000"/>
@@ -5752,7 +6064,7 @@
           <a:p>
             <a:r>
               <a:rPr lang="en-US" dirty="0"/>
-              <a:t>How do we grow in each of these area</a:t>
+              <a:t>How do we grow in each of these areas</a:t>
             </a:r>
           </a:p>
           <a:p>
@@ -5776,13 +6088,72 @@
           <a:p>
             <a:r>
               <a:rPr lang="en-US" dirty="0"/>
-              <a:t>And now, 43 slides later, </a:t>
-            </a:r>
-          </a:p>
-          <a:p>
-            <a:r>
-              <a:rPr lang="en-US" dirty="0"/>
-              <a:t>Glen's 21 steps to scaling your career.</a:t>
+              <a:t>So we are now 43 slides in</a:t>
+            </a:r>
+          </a:p>
+          <a:p>
+            <a:r>
+              <a:rPr lang="en-US" dirty="0"/>
+              <a:t>And all I've done so far is set the stage.</a:t>
+            </a:r>
+          </a:p>
+          <a:p>
+            <a:r>
+              <a:rPr lang="en-US" dirty="0"/>
+              <a:t>You're all wondering where the meat is,</a:t>
+            </a:r>
+          </a:p>
+          <a:p>
+            <a:r>
+              <a:rPr lang="en-US" dirty="0"/>
+              <a:t>where's all the great advice?</a:t>
+            </a:r>
+          </a:p>
+          <a:p>
+            <a:endParaRPr lang="en-US" dirty="0"/>
+          </a:p>
+          <a:p>
+            <a:r>
+              <a:rPr lang="en-US" dirty="0"/>
+              <a:t>Well get out those notebooks,</a:t>
+            </a:r>
+          </a:p>
+          <a:p>
+            <a:r>
+              <a:rPr lang="en-US" dirty="0"/>
+              <a:t>start those cameras rolling,</a:t>
+            </a:r>
+          </a:p>
+          <a:p>
+            <a:r>
+              <a:rPr lang="en-US" dirty="0"/>
+              <a:t>I'm about to advice bomb the hell out of this sucker.</a:t>
+            </a:r>
+          </a:p>
+          <a:p>
+            <a:endParaRPr lang="en-US" dirty="0"/>
+          </a:p>
+          <a:p>
+            <a:pPr marL="0" marR="0" lvl="0" indent="0" algn="l" defTabSz="914400" rtl="0" eaLnBrk="1" fontAlgn="auto" latinLnBrk="0" hangingPunct="1">
+              <a:lnSpc>
+                <a:spcPct val="100000"/>
+              </a:lnSpc>
+              <a:spcBef>
+                <a:spcPts val="0"/>
+              </a:spcBef>
+              <a:spcAft>
+                <a:spcPts val="0"/>
+              </a:spcAft>
+              <a:buClrTx/>
+              <a:buSzTx/>
+              <a:buFontTx/>
+              <a:buNone/>
+              <a:tabLst/>
+              <a:defRPr/>
+            </a:pPr>
+            <a:r>
+              <a:rPr lang="en-US" dirty="0"/>
+              <a:t>&lt;PAUSE&gt;</a:t>
             </a:r>
           </a:p>
           <a:p>
@@ -6795,7 +7166,13 @@
           <a:p>
             <a:r>
               <a:rPr lang="en-US" dirty="0"/>
-              <a:t>Never be afraid to suggest a different approach, even if everyone disagrees.</a:t>
+              <a:t>Never be afraid to suggest a different approach, </a:t>
+            </a:r>
+          </a:p>
+          <a:p>
+            <a:r>
+              <a:rPr lang="en-US" dirty="0"/>
+              <a:t>even if everyone disagrees.</a:t>
             </a:r>
           </a:p>
           <a:p>
@@ -7053,13 +7430,25 @@
           <a:p>
             <a:r>
               <a:rPr lang="en-US" dirty="0"/>
-              <a:t>So ask yourself if there is a different way to tackle the problem</a:t>
-            </a:r>
-          </a:p>
-          <a:p>
-            <a:r>
-              <a:rPr lang="en-US" dirty="0"/>
-              <a:t>A different technology or pattern that might be better suited.</a:t>
+              <a:t>So ask yourself </a:t>
+            </a:r>
+          </a:p>
+          <a:p>
+            <a:r>
+              <a:rPr lang="en-US" dirty="0"/>
+              <a:t>is there a different way to tackle the problem?</a:t>
+            </a:r>
+          </a:p>
+          <a:p>
+            <a:r>
+              <a:rPr lang="en-US" dirty="0"/>
+              <a:t>A different technology or pattern </a:t>
+            </a:r>
+          </a:p>
+          <a:p>
+            <a:r>
+              <a:rPr lang="en-US" dirty="0"/>
+              <a:t>that might be better suited.</a:t>
             </a:r>
           </a:p>
           <a:p>
@@ -7399,13 +7788,13 @@
           <a:p>
             <a:r>
               <a:rPr lang="en-US" dirty="0"/>
-              <a:t>It prevents others from seeing you</a:t>
-            </a:r>
-          </a:p>
-          <a:p>
-            <a:r>
-              <a:rPr lang="en-US" dirty="0"/>
-              <a:t>It prevents others from seeing your ideas</a:t>
+              <a:t>It prevents others from seeing you,</a:t>
+            </a:r>
+          </a:p>
+          <a:p>
+            <a:r>
+              <a:rPr lang="en-US" dirty="0"/>
+              <a:t>It prevents others from seeing your ideas,</a:t>
             </a:r>
           </a:p>
           <a:p>
@@ -8865,9 +9254,12 @@
             </a:r>
           </a:p>
           <a:p>
-            <a:r>
-              <a:rPr lang="en-US" dirty="0"/>
-              <a:t>Don’t also don’t be an asshole about it.</a:t>
+            <a:endParaRPr lang="en-US" dirty="0"/>
+          </a:p>
+          <a:p>
+            <a:r>
+              <a:rPr lang="en-US" dirty="0"/>
+              <a:t>BUT Don’t also don’t be an asshole about it.</a:t>
             </a:r>
           </a:p>
           <a:p>
@@ -8877,6 +9269,9 @@
             </a:r>
           </a:p>
           <a:p>
+            <a:endParaRPr lang="en-US" dirty="0"/>
+          </a:p>
+          <a:p>
             <a:r>
               <a:rPr lang="en-US" dirty="0"/>
               <a:t>And don’t just talk to hear yourself speak.</a:t>
@@ -8893,6 +9288,9 @@
               <a:rPr lang="en-US" dirty="0"/>
               <a:t>or to reinforce a peer who is getting sidelined.</a:t>
             </a:r>
+          </a:p>
+          <a:p>
+            <a:endParaRPr lang="en-US" dirty="0"/>
           </a:p>
           <a:p>
             <a:r>
@@ -9613,7 +10011,7 @@
           <a:p>
             <a:r>
               <a:rPr lang="en-US" dirty="0"/>
-              <a:t>To truly grown your career.</a:t>
+              <a:t>To truly grow your career.</a:t>
             </a:r>
           </a:p>
           <a:p>
@@ -9641,6 +10039,29 @@
             </a:r>
           </a:p>
           <a:p>
+            <a:pPr marL="0" marR="0" lvl="0" indent="0" algn="l" defTabSz="914400" rtl="0" eaLnBrk="1" fontAlgn="auto" latinLnBrk="0" hangingPunct="1">
+              <a:lnSpc>
+                <a:spcPct val="100000"/>
+              </a:lnSpc>
+              <a:spcBef>
+                <a:spcPts val="0"/>
+              </a:spcBef>
+              <a:spcAft>
+                <a:spcPts val="0"/>
+              </a:spcAft>
+              <a:buClrTx/>
+              <a:buSzTx/>
+              <a:buFontTx/>
+              <a:buNone/>
+              <a:tabLst/>
+              <a:defRPr/>
+            </a:pPr>
+            <a:r>
+              <a:rPr lang="en-US" dirty="0"/>
+              <a:t>that it will make you a more valuable job candidate.</a:t>
+            </a:r>
+          </a:p>
+          <a:p>
             <a:r>
               <a:rPr lang="en-US" dirty="0"/>
               <a:t>that it will make you a more valuable employee.</a:t>
@@ -9649,13 +10070,7 @@
           <a:p>
             <a:r>
               <a:rPr lang="en-US" dirty="0"/>
-              <a:t>that it will make you a more valuable job candidate.</a:t>
-            </a:r>
-          </a:p>
-          <a:p>
-            <a:r>
-              <a:rPr lang="en-US" dirty="0"/>
-              <a:t>And ultimately that it will lead you to a more rewarding career.</a:t>
+              <a:t>and that it will lead you to a more rewarding career.</a:t>
             </a:r>
           </a:p>
           <a:p>
@@ -10467,7 +10882,7 @@
           <a:p>
             <a:fld id="{C338D622-F978-44DF-ABDF-ADE3A47B86F3}" type="datetimeFigureOut">
               <a:rPr lang="en-US" smtClean="0"/>
-              <a:t>1/29/2023</a:t>
+              <a:t>2/1/2023</a:t>
             </a:fld>
             <a:endParaRPr lang="en-US"/>
           </a:p>
@@ -10665,7 +11080,7 @@
           <a:p>
             <a:fld id="{C338D622-F978-44DF-ABDF-ADE3A47B86F3}" type="datetimeFigureOut">
               <a:rPr lang="en-US" smtClean="0"/>
-              <a:t>1/29/2023</a:t>
+              <a:t>2/1/2023</a:t>
             </a:fld>
             <a:endParaRPr lang="en-US"/>
           </a:p>
@@ -10873,7 +11288,7 @@
           <a:p>
             <a:fld id="{C338D622-F978-44DF-ABDF-ADE3A47B86F3}" type="datetimeFigureOut">
               <a:rPr lang="en-US" smtClean="0"/>
-              <a:t>1/29/2023</a:t>
+              <a:t>2/1/2023</a:t>
             </a:fld>
             <a:endParaRPr lang="en-US"/>
           </a:p>
@@ -11071,7 +11486,7 @@
           <a:p>
             <a:fld id="{C338D622-F978-44DF-ABDF-ADE3A47B86F3}" type="datetimeFigureOut">
               <a:rPr lang="en-US" smtClean="0"/>
-              <a:t>1/29/2023</a:t>
+              <a:t>2/1/2023</a:t>
             </a:fld>
             <a:endParaRPr lang="en-US"/>
           </a:p>
@@ -11346,7 +11761,7 @@
           <a:p>
             <a:fld id="{C338D622-F978-44DF-ABDF-ADE3A47B86F3}" type="datetimeFigureOut">
               <a:rPr lang="en-US" smtClean="0"/>
-              <a:t>1/29/2023</a:t>
+              <a:t>2/1/2023</a:t>
             </a:fld>
             <a:endParaRPr lang="en-US"/>
           </a:p>
@@ -11611,7 +12026,7 @@
           <a:p>
             <a:fld id="{C338D622-F978-44DF-ABDF-ADE3A47B86F3}" type="datetimeFigureOut">
               <a:rPr lang="en-US" smtClean="0"/>
-              <a:t>1/29/2023</a:t>
+              <a:t>2/1/2023</a:t>
             </a:fld>
             <a:endParaRPr lang="en-US"/>
           </a:p>
@@ -12023,7 +12438,7 @@
           <a:p>
             <a:fld id="{C338D622-F978-44DF-ABDF-ADE3A47B86F3}" type="datetimeFigureOut">
               <a:rPr lang="en-US" smtClean="0"/>
-              <a:t>1/29/2023</a:t>
+              <a:t>2/1/2023</a:t>
             </a:fld>
             <a:endParaRPr lang="en-US"/>
           </a:p>
@@ -12164,7 +12579,7 @@
           <a:p>
             <a:fld id="{C338D622-F978-44DF-ABDF-ADE3A47B86F3}" type="datetimeFigureOut">
               <a:rPr lang="en-US" smtClean="0"/>
-              <a:t>1/29/2023</a:t>
+              <a:t>2/1/2023</a:t>
             </a:fld>
             <a:endParaRPr lang="en-US"/>
           </a:p>
@@ -12277,7 +12692,7 @@
           <a:p>
             <a:fld id="{C338D622-F978-44DF-ABDF-ADE3A47B86F3}" type="datetimeFigureOut">
               <a:rPr lang="en-US" smtClean="0"/>
-              <a:t>1/29/2023</a:t>
+              <a:t>2/1/2023</a:t>
             </a:fld>
             <a:endParaRPr lang="en-US"/>
           </a:p>
@@ -12588,7 +13003,7 @@
           <a:p>
             <a:fld id="{C338D622-F978-44DF-ABDF-ADE3A47B86F3}" type="datetimeFigureOut">
               <a:rPr lang="en-US" smtClean="0"/>
-              <a:t>1/29/2023</a:t>
+              <a:t>2/1/2023</a:t>
             </a:fld>
             <a:endParaRPr lang="en-US"/>
           </a:p>
@@ -12879,7 +13294,7 @@
           <a:p>
             <a:fld id="{C338D622-F978-44DF-ABDF-ADE3A47B86F3}" type="datetimeFigureOut">
               <a:rPr lang="en-US" smtClean="0"/>
-              <a:t>1/29/2023</a:t>
+              <a:t>2/1/2023</a:t>
             </a:fld>
             <a:endParaRPr lang="en-US"/>
           </a:p>
@@ -13120,7 +13535,7 @@
           <a:p>
             <a:fld id="{C338D622-F978-44DF-ABDF-ADE3A47B86F3}" type="datetimeFigureOut">
               <a:rPr lang="en-US" smtClean="0"/>
-              <a:t>1/29/2023</a:t>
+              <a:t>2/1/2023</a:t>
             </a:fld>
             <a:endParaRPr lang="en-US"/>
           </a:p>

--- a/ScaleYou/ScaleYou.pptx
+++ b/ScaleYou/ScaleYou.pptx
@@ -1984,13 +1984,13 @@
           <a:p>
             <a:r>
               <a:rPr lang="en-US" dirty="0"/>
-              <a:t>Yet most companies already have the "plan" all mapped out.</a:t>
-            </a:r>
-          </a:p>
-          <a:p>
-            <a:r>
-              <a:rPr lang="en-US" dirty="0"/>
-              <a:t>And the chance to be creative is very micro-</a:t>
+              <a:t>Yet most companies already have the "plan" all mapped out,</a:t>
+            </a:r>
+          </a:p>
+          <a:p>
+            <a:r>
+              <a:rPr lang="en-US" dirty="0"/>
+              <a:t>and the chance to be creative is very micro-</a:t>
             </a:r>
             <a:r>
               <a:rPr lang="en-US" dirty="0" err="1"/>
@@ -1998,13 +1998,13 @@
             </a:r>
             <a:r>
               <a:rPr lang="en-US" dirty="0"/>
-              <a:t>.</a:t>
-            </a:r>
-          </a:p>
-          <a:p>
-            <a:r>
-              <a:rPr lang="en-US" dirty="0"/>
-              <a:t>Tiny little chances to name variables and class.</a:t>
+              <a:t>,</a:t>
+            </a:r>
+          </a:p>
+          <a:p>
+            <a:r>
+              <a:rPr lang="en-US" dirty="0"/>
+              <a:t>tiny little chances to name variables and classes.</a:t>
             </a:r>
           </a:p>
           <a:p>
@@ -2013,25 +2013,60 @@
           <a:p>
             <a:r>
               <a:rPr lang="en-US" dirty="0"/>
-              <a:t>As we grow, these small chances get bigger</a:t>
-            </a:r>
-          </a:p>
-          <a:p>
-            <a:r>
-              <a:rPr lang="en-US" dirty="0"/>
-              <a:t>as we start to look at how the systems grow</a:t>
-            </a:r>
-          </a:p>
-          <a:p>
-            <a:r>
-              <a:rPr lang="en-US" dirty="0"/>
-              <a:t>how they work together,</a:t>
-            </a:r>
-          </a:p>
-          <a:p>
-            <a:r>
-              <a:rPr lang="en-US" dirty="0"/>
-              <a:t>how they solve problems.</a:t>
+              <a:t>As we grow, these small chances get bigger…</a:t>
+            </a:r>
+          </a:p>
+          <a:p>
+            <a:r>
+              <a:rPr lang="en-US" dirty="0"/>
+              <a:t>And the corresponding creative opportunities expand.</a:t>
+            </a:r>
+          </a:p>
+          <a:p>
+            <a:pPr marL="0" marR="0" lvl="0" indent="0" algn="l" defTabSz="914400" rtl="0" eaLnBrk="1" fontAlgn="auto" latinLnBrk="0" hangingPunct="1">
+              <a:lnSpc>
+                <a:spcPct val="100000"/>
+              </a:lnSpc>
+              <a:spcBef>
+                <a:spcPts val="0"/>
+              </a:spcBef>
+              <a:spcAft>
+                <a:spcPts val="0"/>
+              </a:spcAft>
+              <a:buClrTx/>
+              <a:buSzTx/>
+              <a:buFontTx/>
+              <a:buNone/>
+              <a:tabLst/>
+              <a:defRPr/>
+            </a:pPr>
+            <a:r>
+              <a:rPr lang="en-US" dirty="0"/>
+              <a:t>As we start to increase the scope of the systems we work on,</a:t>
+            </a:r>
+          </a:p>
+          <a:p>
+            <a:r>
+              <a:rPr lang="en-US" dirty="0"/>
+              <a:t>as we start to look at how the systems grow,</a:t>
+            </a:r>
+          </a:p>
+          <a:p>
+            <a:r>
+              <a:rPr lang="en-US" dirty="0"/>
+              <a:t>and work together,</a:t>
+            </a:r>
+          </a:p>
+          <a:p>
+            <a:r>
+              <a:rPr lang="en-US" dirty="0"/>
+              <a:t>and solve problems,</a:t>
+            </a:r>
+          </a:p>
+          <a:p>
+            <a:r>
+              <a:rPr lang="en-US" dirty="0"/>
+              <a:t>we get more and more chances to truly create.</a:t>
             </a:r>
           </a:p>
           <a:p>
@@ -2686,7 +2721,7 @@
           <a:p>
             <a:r>
               <a:rPr lang="en-US" dirty="0"/>
-              <a:t>but I think a very good place to have</a:t>
+              <a:t>but I think it is a very good place to have</a:t>
             </a:r>
           </a:p>
           <a:p>
@@ -2838,7 +2873,19 @@
           <a:p>
             <a:r>
               <a:rPr lang="en-US" dirty="0"/>
-              <a:t>as Chief Architect and Lead Engineer</a:t>
+              <a:t>I serve as </a:t>
+            </a:r>
+          </a:p>
+          <a:p>
+            <a:r>
+              <a:rPr lang="en-US" dirty="0"/>
+              <a:t>Chief Architect and Lead Engineer</a:t>
+            </a:r>
+          </a:p>
+          <a:p>
+            <a:r>
+              <a:rPr lang="en-US" dirty="0"/>
+              <a:t>and this is how I rank these motivations…</a:t>
             </a:r>
           </a:p>
         </p:txBody>
@@ -8637,7 +8684,7 @@
           <a:p>
             <a:r>
               <a:rPr lang="en-US" dirty="0"/>
-              <a:t>If the project your took ownership sucks.</a:t>
+              <a:t>If the project you took ownership of sucks.</a:t>
             </a:r>
           </a:p>
           <a:p>
